--- a/Экономика городского строительства и хозяйства/Система расчёта за пользование услугами электро-, газоснабжения.pptx
+++ b/Экономика городского строительства и хозяйства/Система расчёта за пользование услугами электро-, газоснабжения.pptx
@@ -11710,7 +11710,6 @@
               <a:rPr lang="ru-RU" sz="1800" dirty="0" smtClean="0"/>
               <a:t>.</a:t>
             </a:r>
-            <a:endParaRPr lang="ru-RU" sz="1800" dirty="0" smtClean="0"/>
           </a:p>
           <a:p>
             <a:pPr algn="just"/>
@@ -11774,11 +11773,7 @@
             </a:r>
             <a:r>
               <a:rPr lang="ru-RU" sz="1800" dirty="0" smtClean="0"/>
-              <a:t>хозяйства</a:t>
-            </a:r>
-            <a:r>
-              <a:rPr lang="ru-RU" sz="1800" dirty="0" smtClean="0"/>
-              <a:t>» и другими правовыми актами.</a:t>
+              <a:t>хозяйства» и другими правовыми актами.</a:t>
             </a:r>
             <a:endParaRPr lang="ru-RU" sz="1800" dirty="0"/>
           </a:p>
@@ -14367,8 +14362,8 @@
           </a:p>
         </p:txBody>
       </p:sp>
-      <mc:AlternateContent xmlns:mc="http://schemas.openxmlformats.org/markup-compatibility/2006">
-        <mc:Choice xmlns:a14="http://schemas.microsoft.com/office/drawing/2010/main" Requires="a14">
+      <mc:AlternateContent xmlns:mc="http://schemas.openxmlformats.org/markup-compatibility/2006" xmlns:a14="http://schemas.microsoft.com/office/drawing/2010/main">
+        <mc:Choice Requires="a14">
           <p:sp>
             <p:nvSpPr>
               <p:cNvPr id="4" name="Прямоугольник 3"/>
@@ -14390,6 +14385,7 @@
               </a:bodyPr>
               <a:lstStyle/>
               <a:p>
+                <a:pPr/>
                 <a14:m>
                   <m:oMathPara xmlns:m="http://schemas.openxmlformats.org/officeDocument/2006/math">
                     <m:oMathParaPr>
@@ -14401,7 +14397,7 @@
                           <m:begChr m:val="["/>
                           <m:endChr m:val="]"/>
                           <m:ctrlPr>
-                            <a:rPr lang="ru-RU">
+                            <a:rPr lang="ru-RU" i="1">
                               <a:latin typeface="Cambria Math" panose="02040503050406030204" pitchFamily="18" charset="0"/>
                             </a:rPr>
                           </m:ctrlPr>
@@ -14410,7 +14406,7 @@
                           <m:d>
                             <m:dPr>
                               <m:ctrlPr>
-                                <a:rPr lang="ru-RU">
+                                <a:rPr lang="ru-RU" i="1">
                                   <a:latin typeface="Cambria Math" panose="02040503050406030204" pitchFamily="18" charset="0"/>
                                 </a:rPr>
                               </m:ctrlPr>
@@ -14492,7 +14488,7 @@
             </p:txBody>
           </p:sp>
         </mc:Choice>
-        <mc:Fallback>
+        <mc:Fallback xmlns="">
           <p:sp>
             <p:nvSpPr>
               <p:cNvPr id="4" name="Прямоугольник 3"/>
@@ -14541,13 +14537,13 @@
   <p:clrMapOvr>
     <a:masterClrMapping/>
   </p:clrMapOvr>
-  <mc:AlternateContent xmlns:mc="http://schemas.openxmlformats.org/markup-compatibility/2006">
-    <mc:Choice xmlns:p14="http://schemas.microsoft.com/office/powerpoint/2010/main" Requires="p14">
+  <mc:AlternateContent xmlns:mc="http://schemas.openxmlformats.org/markup-compatibility/2006" xmlns:p14="http://schemas.microsoft.com/office/powerpoint/2010/main">
+    <mc:Choice Requires="p14">
       <p:transition spd="med" p14:dur="700">
         <p:fade/>
       </p:transition>
     </mc:Choice>
-    <mc:Fallback>
+    <mc:Fallback xmlns="">
       <p:transition spd="med">
         <p:fade/>
       </p:transition>

--- a/Экономика городского строительства и хозяйства/Система расчёта за пользование услугами электро-, газоснабжения.pptx
+++ b/Экономика городского строительства и хозяйства/Система расчёта за пользование услугами электро-, газоснабжения.pptx
@@ -5,23 +5,25 @@
     <p:sldMasterId id="2147483648" r:id="rId1"/>
   </p:sldMasterIdLst>
   <p:notesMasterIdLst>
-    <p:notesMasterId r:id="rId13"/>
+    <p:notesMasterId r:id="rId15"/>
   </p:notesMasterIdLst>
   <p:handoutMasterIdLst>
-    <p:handoutMasterId r:id="rId14"/>
+    <p:handoutMasterId r:id="rId16"/>
   </p:handoutMasterIdLst>
   <p:sldIdLst>
     <p:sldId id="258" r:id="rId2"/>
-    <p:sldId id="260" r:id="rId3"/>
-    <p:sldId id="263" r:id="rId4"/>
-    <p:sldId id="264" r:id="rId5"/>
-    <p:sldId id="265" r:id="rId6"/>
-    <p:sldId id="266" r:id="rId7"/>
-    <p:sldId id="268" r:id="rId8"/>
-    <p:sldId id="270" r:id="rId9"/>
-    <p:sldId id="272" r:id="rId10"/>
-    <p:sldId id="271" r:id="rId11"/>
-    <p:sldId id="267" r:id="rId12"/>
+    <p:sldId id="273" r:id="rId3"/>
+    <p:sldId id="260" r:id="rId4"/>
+    <p:sldId id="263" r:id="rId5"/>
+    <p:sldId id="264" r:id="rId6"/>
+    <p:sldId id="265" r:id="rId7"/>
+    <p:sldId id="266" r:id="rId8"/>
+    <p:sldId id="268" r:id="rId9"/>
+    <p:sldId id="270" r:id="rId10"/>
+    <p:sldId id="272" r:id="rId11"/>
+    <p:sldId id="271" r:id="rId12"/>
+    <p:sldId id="274" r:id="rId13"/>
+    <p:sldId id="267" r:id="rId14"/>
   </p:sldIdLst>
   <p:sldSz cx="12192000" cy="6858000"/>
   <p:notesSz cx="6858000" cy="9144000"/>
@@ -5791,7 +5793,7 @@
             <a:pPr rtl="0"/>
             <a:fld id="{26033CB3-7F95-41E1-81BF-E8064342392D}" type="datetime1">
               <a:rPr lang="ru-RU" smtClean="0"/>
-              <a:t>07.06.2023</a:t>
+              <a:t>08.06.2023</a:t>
             </a:fld>
             <a:endParaRPr lang="ru-RU" dirty="0"/>
           </a:p>
@@ -5961,7 +5963,7 @@
             <a:pPr rtl="0"/>
             <a:fld id="{A1C10190-6A87-4EFF-B67B-FD2B4955DE6B}" type="datetime1">
               <a:rPr lang="ru-RU" noProof="0" smtClean="0"/>
-              <a:t>07.06.2023</a:t>
+              <a:t>08.06.2023</a:t>
             </a:fld>
             <a:endParaRPr lang="ru-RU" noProof="0" dirty="0"/>
           </a:p>
@@ -6384,7 +6386,7 @@
             <a:pPr rtl="0"/>
             <a:fld id="{DED491D0-8E1B-49C7-849B-A28568D94497}" type="slidenum">
               <a:rPr lang="ru-RU" smtClean="0"/>
-              <a:t>2</a:t>
+              <a:t>3</a:t>
             </a:fld>
             <a:endParaRPr lang="ru-RU" dirty="0"/>
           </a:p>
@@ -6469,7 +6471,7 @@
             <a:pPr rtl="0"/>
             <a:fld id="{DED491D0-8E1B-49C7-849B-A28568D94497}" type="slidenum">
               <a:rPr lang="ru-RU" smtClean="0"/>
-              <a:t>3</a:t>
+              <a:t>4</a:t>
             </a:fld>
             <a:endParaRPr lang="ru-RU" dirty="0"/>
           </a:p>
@@ -6746,7 +6748,7 @@
             <a:pPr rtl="0"/>
             <a:fld id="{63D273F9-4EFF-4F0B-9DF4-01F988EA6D1E}" type="datetime1">
               <a:rPr lang="ru-RU" smtClean="0"/>
-              <a:t>07.06.2023</a:t>
+              <a:t>08.06.2023</a:t>
             </a:fld>
             <a:endParaRPr lang="ru-RU" dirty="0"/>
           </a:p>
@@ -6953,7 +6955,7 @@
             <a:pPr rtl="0"/>
             <a:fld id="{7489B750-52B5-4380-A24A-7530EE5DCF6F}" type="datetime1">
               <a:rPr lang="ru-RU" smtClean="0"/>
-              <a:t>07.06.2023</a:t>
+              <a:t>08.06.2023</a:t>
             </a:fld>
             <a:endParaRPr lang="ru-RU" dirty="0"/>
           </a:p>
@@ -7227,7 +7229,7 @@
             <a:pPr rtl="0"/>
             <a:fld id="{ADF49962-1D0D-4F31-AB9F-D72B431EE16F}" type="datetime1">
               <a:rPr lang="ru-RU" smtClean="0"/>
-              <a:t>07.06.2023</a:t>
+              <a:t>08.06.2023</a:t>
             </a:fld>
             <a:endParaRPr lang="ru-RU" dirty="0"/>
           </a:p>
@@ -7427,7 +7429,7 @@
             <a:pPr rtl="0"/>
             <a:fld id="{A4A3FD9A-4A31-4F86-93A4-8837C3CDE1A3}" type="datetime1">
               <a:rPr lang="ru-RU" smtClean="0"/>
-              <a:t>07.06.2023</a:t>
+              <a:t>08.06.2023</a:t>
             </a:fld>
             <a:endParaRPr lang="ru-RU" dirty="0"/>
           </a:p>
@@ -7813,7 +7815,7 @@
             <a:pPr rtl="0"/>
             <a:fld id="{5389B495-48D3-4554-8EC7-73D4659C5407}" type="datetime1">
               <a:rPr lang="ru-RU" smtClean="0"/>
-              <a:t>07.06.2023</a:t>
+              <a:t>08.06.2023</a:t>
             </a:fld>
             <a:endParaRPr lang="ru-RU" dirty="0"/>
           </a:p>
@@ -8078,7 +8080,7 @@
             <a:pPr rtl="0"/>
             <a:fld id="{655AA998-4B36-404A-8DEA-DA5BB2816D86}" type="datetime1">
               <a:rPr lang="ru-RU" smtClean="0"/>
-              <a:t>07.06.2023</a:t>
+              <a:t>08.06.2023</a:t>
             </a:fld>
             <a:endParaRPr lang="ru-RU" dirty="0"/>
           </a:p>
@@ -8456,7 +8458,7 @@
             <a:pPr rtl="0"/>
             <a:fld id="{963059E1-7810-4134-BA30-CD168ACA1ED0}" type="datetime1">
               <a:rPr lang="ru-RU" smtClean="0"/>
-              <a:t>07.06.2023</a:t>
+              <a:t>08.06.2023</a:t>
             </a:fld>
             <a:endParaRPr lang="ru-RU" dirty="0"/>
           </a:p>
@@ -8594,7 +8596,7 @@
             <a:pPr rtl="0"/>
             <a:fld id="{BC8DD942-3932-490C-965E-CE019573200E}" type="datetime1">
               <a:rPr lang="ru-RU" smtClean="0"/>
-              <a:t>07.06.2023</a:t>
+              <a:t>08.06.2023</a:t>
             </a:fld>
             <a:endParaRPr lang="ru-RU" dirty="0"/>
           </a:p>
@@ -8704,7 +8706,7 @@
             <a:pPr rtl="0"/>
             <a:fld id="{BF23EE73-29DE-4D32-853F-71E261A37FAC}" type="datetime1">
               <a:rPr lang="ru-RU" smtClean="0"/>
-              <a:t>07.06.2023</a:t>
+              <a:t>08.06.2023</a:t>
             </a:fld>
             <a:endParaRPr lang="ru-RU" dirty="0"/>
           </a:p>
@@ -9001,7 +9003,7 @@
             <a:pPr rtl="0"/>
             <a:fld id="{7C3AA2DE-E044-4C5E-88E8-826FD672C224}" type="datetime1">
               <a:rPr lang="ru-RU" smtClean="0"/>
-              <a:t>07.06.2023</a:t>
+              <a:t>08.06.2023</a:t>
             </a:fld>
             <a:endParaRPr lang="ru-RU" dirty="0"/>
           </a:p>
@@ -9276,7 +9278,7 @@
             <a:pPr rtl="0"/>
             <a:fld id="{5689F6FF-325E-4839-A110-B16E8C0199BE}" type="datetime1">
               <a:rPr lang="ru-RU" smtClean="0"/>
-              <a:t>07.06.2023</a:t>
+              <a:t>08.06.2023</a:t>
             </a:fld>
             <a:endParaRPr lang="ru-RU" dirty="0"/>
           </a:p>
@@ -9604,7 +9606,7 @@
             <a:fld id="{38ABFFF7-E2BC-4B90-8333-1B79B63513B3}" type="datetime1">
               <a:rPr lang="ru-RU" smtClean="0"/>
               <a:pPr/>
-              <a:t>07.06.2023</a:t>
+              <a:t>08.06.2023</a:t>
             </a:fld>
             <a:endParaRPr lang="ru-RU" dirty="0"/>
           </a:p>
@@ -10115,6 +10117,466 @@
 </file>
 
 <file path=ppt/slides/slide10.xml><?xml version="1.0" encoding="utf-8"?>
+<p:sld xmlns:a="http://schemas.openxmlformats.org/drawingml/2006/main" xmlns:r="http://schemas.openxmlformats.org/officeDocument/2006/relationships" xmlns:p="http://schemas.openxmlformats.org/presentationml/2006/main" show="0">
+  <p:cSld>
+    <p:spTree>
+      <p:nvGrpSpPr>
+        <p:cNvPr id="1" name=""/>
+        <p:cNvGrpSpPr/>
+        <p:nvPr/>
+      </p:nvGrpSpPr>
+      <p:grpSpPr>
+        <a:xfrm>
+          <a:off x="0" y="0"/>
+          <a:ext cx="0" cy="0"/>
+          <a:chOff x="0" y="0"/>
+          <a:chExt cx="0" cy="0"/>
+        </a:xfrm>
+      </p:grpSpPr>
+      <p:sp>
+        <p:nvSpPr>
+          <p:cNvPr id="2" name="Заголовок 1"/>
+          <p:cNvSpPr>
+            <a:spLocks noGrp="1"/>
+          </p:cNvSpPr>
+          <p:nvPr>
+            <p:ph type="title"/>
+          </p:nvPr>
+        </p:nvSpPr>
+        <p:spPr/>
+        <p:txBody>
+          <a:bodyPr/>
+          <a:lstStyle/>
+          <a:p>
+            <a:r>
+              <a:rPr lang="ru-RU" dirty="0"/>
+              <a:t>Расчет стоимости коммунальных услуг</a:t>
+            </a:r>
+          </a:p>
+        </p:txBody>
+      </p:sp>
+      <p:sp>
+        <p:nvSpPr>
+          <p:cNvPr id="3" name="Объект 2"/>
+          <p:cNvSpPr>
+            <a:spLocks noGrp="1"/>
+          </p:cNvSpPr>
+          <p:nvPr>
+            <p:ph idx="1"/>
+          </p:nvPr>
+        </p:nvSpPr>
+        <p:spPr>
+          <a:xfrm>
+            <a:off x="991534" y="1680972"/>
+            <a:ext cx="10205884" cy="4911213"/>
+          </a:xfrm>
+        </p:spPr>
+        <p:txBody>
+          <a:bodyPr>
+            <a:normAutofit fontScale="92500" lnSpcReduction="20000"/>
+          </a:bodyPr>
+          <a:lstStyle/>
+          <a:p>
+            <a:pPr marL="0" indent="0">
+              <a:lnSpc>
+                <a:spcPct val="170000"/>
+              </a:lnSpc>
+              <a:buNone/>
+            </a:pPr>
+            <a:r>
+              <a:rPr lang="ru-RU" sz="2600" dirty="0"/>
+              <a:t>Пример расчета платы за газоснабжение в жилом помещении</a:t>
+            </a:r>
+            <a:r>
+              <a:rPr lang="ru-RU" sz="2600" dirty="0" smtClean="0"/>
+              <a:t>:</a:t>
+            </a:r>
+            <a:endParaRPr lang="ru-RU" sz="2600" dirty="0"/>
+          </a:p>
+          <a:p>
+            <a:pPr>
+              <a:lnSpc>
+                <a:spcPct val="110000"/>
+              </a:lnSpc>
+              <a:spcBef>
+                <a:spcPts val="0"/>
+              </a:spcBef>
+            </a:pPr>
+            <a:r>
+              <a:rPr lang="ru-RU" dirty="0"/>
+              <a:t>В жилом помещении отсутствует индивидуальный прибор учета на газоснабжение</a:t>
+            </a:r>
+            <a:r>
+              <a:rPr lang="ru-RU" dirty="0" smtClean="0"/>
+              <a:t>,</a:t>
+            </a:r>
+          </a:p>
+          <a:p>
+            <a:pPr>
+              <a:lnSpc>
+                <a:spcPct val="110000"/>
+              </a:lnSpc>
+              <a:spcBef>
+                <a:spcPts val="0"/>
+              </a:spcBef>
+            </a:pPr>
+            <a:r>
+              <a:rPr lang="ru-RU" dirty="0" smtClean="0"/>
+              <a:t>на </a:t>
+            </a:r>
+            <a:r>
+              <a:rPr lang="ru-RU" dirty="0"/>
+              <a:t>многоквартирном доме отсутствует система централизованного горячего водоснабжения, </a:t>
+            </a:r>
+            <a:endParaRPr lang="ru-RU" dirty="0" smtClean="0"/>
+          </a:p>
+          <a:p>
+            <a:pPr>
+              <a:lnSpc>
+                <a:spcPct val="110000"/>
+              </a:lnSpc>
+              <a:spcBef>
+                <a:spcPts val="0"/>
+              </a:spcBef>
+            </a:pPr>
+            <a:r>
+              <a:rPr lang="ru-RU" dirty="0" smtClean="0"/>
+              <a:t>квартира </a:t>
+            </a:r>
+            <a:r>
+              <a:rPr lang="ru-RU" dirty="0"/>
+              <a:t>оборудована газовой плитой, </a:t>
+            </a:r>
+            <a:endParaRPr lang="ru-RU" dirty="0" smtClean="0"/>
+          </a:p>
+          <a:p>
+            <a:pPr>
+              <a:lnSpc>
+                <a:spcPct val="110000"/>
+              </a:lnSpc>
+              <a:spcBef>
+                <a:spcPts val="0"/>
+              </a:spcBef>
+            </a:pPr>
+            <a:r>
+              <a:rPr lang="ru-RU" dirty="0" smtClean="0"/>
+              <a:t>не </a:t>
+            </a:r>
+            <a:r>
+              <a:rPr lang="ru-RU" dirty="0"/>
+              <a:t>оборудована газовым водонагревателем, </a:t>
+            </a:r>
+            <a:endParaRPr lang="ru-RU" dirty="0" smtClean="0"/>
+          </a:p>
+          <a:p>
+            <a:pPr>
+              <a:lnSpc>
+                <a:spcPct val="110000"/>
+              </a:lnSpc>
+              <a:spcBef>
+                <a:spcPts val="0"/>
+              </a:spcBef>
+            </a:pPr>
+            <a:r>
+              <a:rPr lang="ru-RU" dirty="0" smtClean="0"/>
+              <a:t>в </a:t>
+            </a:r>
+            <a:r>
+              <a:rPr lang="ru-RU" dirty="0"/>
+              <a:t>квартире проживает 4 человека, </a:t>
+            </a:r>
+            <a:endParaRPr lang="ru-RU" dirty="0" smtClean="0"/>
+          </a:p>
+          <a:p>
+            <a:pPr>
+              <a:lnSpc>
+                <a:spcPct val="110000"/>
+              </a:lnSpc>
+              <a:spcBef>
+                <a:spcPts val="0"/>
+              </a:spcBef>
+            </a:pPr>
+            <a:r>
+              <a:rPr lang="ru-RU" dirty="0" smtClean="0"/>
+              <a:t>общая </a:t>
+            </a:r>
+            <a:r>
+              <a:rPr lang="ru-RU" dirty="0"/>
+              <a:t>площадь помещения составляет 45 м2, </a:t>
+            </a:r>
+            <a:endParaRPr lang="ru-RU" dirty="0" smtClean="0"/>
+          </a:p>
+          <a:p>
+            <a:pPr>
+              <a:lnSpc>
+                <a:spcPct val="110000"/>
+              </a:lnSpc>
+              <a:spcBef>
+                <a:spcPts val="0"/>
+              </a:spcBef>
+            </a:pPr>
+            <a:r>
+              <a:rPr lang="ru-RU" dirty="0" smtClean="0"/>
+              <a:t>норматив </a:t>
+            </a:r>
+            <a:r>
+              <a:rPr lang="ru-RU" dirty="0"/>
+              <a:t>потребления коммунальной услуги по газоснабжению на отопление жилых помещений составляет 8 м3  на 1 м2 общей площади, </a:t>
+            </a:r>
+            <a:endParaRPr lang="ru-RU" dirty="0" smtClean="0"/>
+          </a:p>
+          <a:p>
+            <a:pPr>
+              <a:lnSpc>
+                <a:spcPct val="110000"/>
+              </a:lnSpc>
+              <a:spcBef>
+                <a:spcPts val="0"/>
+              </a:spcBef>
+            </a:pPr>
+            <a:r>
+              <a:rPr lang="ru-RU" dirty="0" smtClean="0"/>
+              <a:t>норматив </a:t>
+            </a:r>
+            <a:r>
+              <a:rPr lang="ru-RU" dirty="0"/>
+              <a:t>потребления коммунальной услуги по газоснабжению на приготовление пищи 12,58 м3 на 1 человека, </a:t>
+            </a:r>
+            <a:endParaRPr lang="ru-RU" dirty="0" smtClean="0"/>
+          </a:p>
+          <a:p>
+            <a:pPr>
+              <a:lnSpc>
+                <a:spcPct val="110000"/>
+              </a:lnSpc>
+              <a:spcBef>
+                <a:spcPts val="0"/>
+              </a:spcBef>
+            </a:pPr>
+            <a:r>
+              <a:rPr lang="ru-RU" dirty="0" smtClean="0"/>
+              <a:t>норматив </a:t>
+            </a:r>
+            <a:r>
+              <a:rPr lang="ru-RU" dirty="0"/>
+              <a:t>потребления коммунальной услуги по газоснабжению на подогрев воды при отсутствии централизованного горячего водоснабжения 6,34 м3 на 1 человека, </a:t>
+            </a:r>
+            <a:endParaRPr lang="ru-RU" dirty="0" smtClean="0"/>
+          </a:p>
+          <a:p>
+            <a:pPr>
+              <a:lnSpc>
+                <a:spcPct val="110000"/>
+              </a:lnSpc>
+              <a:spcBef>
+                <a:spcPts val="0"/>
+              </a:spcBef>
+            </a:pPr>
+            <a:r>
+              <a:rPr lang="ru-RU" dirty="0" smtClean="0"/>
+              <a:t>тариф </a:t>
+            </a:r>
+            <a:r>
+              <a:rPr lang="ru-RU" dirty="0"/>
+              <a:t>на газоснабжение для текущего региона утвержден в размере 4300 рублей за 1000 м3 (4,2 рубля за 1 м3).</a:t>
+            </a:r>
+          </a:p>
+          <a:p>
+            <a:endParaRPr lang="ru-RU" dirty="0"/>
+          </a:p>
+        </p:txBody>
+      </p:sp>
+      <mc:AlternateContent xmlns:mc="http://schemas.openxmlformats.org/markup-compatibility/2006" xmlns:a14="http://schemas.microsoft.com/office/drawing/2010/main">
+        <mc:Choice Requires="a14">
+          <p:sp>
+            <p:nvSpPr>
+              <p:cNvPr id="4" name="Прямоугольник 3"/>
+              <p:cNvSpPr/>
+              <p:nvPr/>
+            </p:nvSpPr>
+            <p:spPr>
+              <a:xfrm>
+                <a:off x="3032291" y="6407519"/>
+                <a:ext cx="6124369" cy="369332"/>
+              </a:xfrm>
+              <a:prstGeom prst="rect">
+                <a:avLst/>
+              </a:prstGeom>
+            </p:spPr>
+            <p:txBody>
+              <a:bodyPr wrap="none">
+                <a:spAutoFit/>
+              </a:bodyPr>
+              <a:lstStyle/>
+              <a:p>
+                <a:pPr/>
+                <a14:m>
+                  <m:oMathPara xmlns:m="http://schemas.openxmlformats.org/officeDocument/2006/math">
+                    <m:oMathParaPr>
+                      <m:jc m:val="centerGroup"/>
+                    </m:oMathParaPr>
+                    <m:oMath xmlns:m="http://schemas.openxmlformats.org/officeDocument/2006/math">
+                      <m:d>
+                        <m:dPr>
+                          <m:begChr m:val="["/>
+                          <m:endChr m:val="]"/>
+                          <m:ctrlPr>
+                            <a:rPr lang="ru-RU" i="1">
+                              <a:latin typeface="Cambria Math" panose="02040503050406030204" pitchFamily="18" charset="0"/>
+                            </a:rPr>
+                          </m:ctrlPr>
+                        </m:dPr>
+                        <m:e>
+                          <m:d>
+                            <m:dPr>
+                              <m:ctrlPr>
+                                <a:rPr lang="ru-RU" i="1">
+                                  <a:latin typeface="Cambria Math" panose="02040503050406030204" pitchFamily="18" charset="0"/>
+                                </a:rPr>
+                              </m:ctrlPr>
+                            </m:dPr>
+                            <m:e>
+                              <m:r>
+                                <a:rPr lang="ru-RU">
+                                  <a:latin typeface="Cambria Math" panose="02040503050406030204" pitchFamily="18" charset="0"/>
+                                </a:rPr>
+                                <m:t>45</m:t>
+                              </m:r>
+                              <m:r>
+                                <a:rPr lang="ru-RU" i="0">
+                                  <a:latin typeface="Cambria Math" panose="02040503050406030204" pitchFamily="18" charset="0"/>
+                                </a:rPr>
+                                <m:t>×8</m:t>
+                              </m:r>
+                            </m:e>
+                          </m:d>
+                          <m:r>
+                            <a:rPr lang="ru-RU" i="0">
+                              <a:latin typeface="Cambria Math" panose="02040503050406030204" pitchFamily="18" charset="0"/>
+                            </a:rPr>
+                            <m:t>+</m:t>
+                          </m:r>
+                          <m:d>
+                            <m:dPr>
+                              <m:ctrlPr>
+                                <a:rPr lang="ru-RU" i="1">
+                                  <a:latin typeface="Cambria Math" panose="02040503050406030204" pitchFamily="18" charset="0"/>
+                                </a:rPr>
+                              </m:ctrlPr>
+                            </m:dPr>
+                            <m:e>
+                              <m:r>
+                                <a:rPr lang="ru-RU" i="0">
+                                  <a:latin typeface="Cambria Math" panose="02040503050406030204" pitchFamily="18" charset="0"/>
+                                </a:rPr>
+                                <m:t>4×12,58</m:t>
+                              </m:r>
+                            </m:e>
+                          </m:d>
+                          <m:r>
+                            <a:rPr lang="ru-RU" i="0">
+                              <a:latin typeface="Cambria Math" panose="02040503050406030204" pitchFamily="18" charset="0"/>
+                            </a:rPr>
+                            <m:t>+</m:t>
+                          </m:r>
+                          <m:d>
+                            <m:dPr>
+                              <m:ctrlPr>
+                                <a:rPr lang="ru-RU" i="1">
+                                  <a:latin typeface="Cambria Math" panose="02040503050406030204" pitchFamily="18" charset="0"/>
+                                </a:rPr>
+                              </m:ctrlPr>
+                            </m:dPr>
+                            <m:e>
+                              <m:r>
+                                <a:rPr lang="ru-RU" i="0">
+                                  <a:latin typeface="Cambria Math" panose="02040503050406030204" pitchFamily="18" charset="0"/>
+                                </a:rPr>
+                                <m:t>4×6,34</m:t>
+                              </m:r>
+                            </m:e>
+                          </m:d>
+                        </m:e>
+                      </m:d>
+                      <m:r>
+                        <a:rPr lang="ru-RU" i="0">
+                          <a:latin typeface="Cambria Math" panose="02040503050406030204" pitchFamily="18" charset="0"/>
+                        </a:rPr>
+                        <m:t>×4,3=1873,42 руб.</m:t>
+                      </m:r>
+                    </m:oMath>
+                  </m:oMathPara>
+                </a14:m>
+                <a:endParaRPr lang="ru-RU" dirty="0"/>
+              </a:p>
+            </p:txBody>
+          </p:sp>
+        </mc:Choice>
+        <mc:Fallback xmlns="">
+          <p:sp>
+            <p:nvSpPr>
+              <p:cNvPr id="4" name="Прямоугольник 3"/>
+              <p:cNvSpPr>
+                <a:spLocks noRot="1" noChangeAspect="1" noMove="1" noResize="1" noEditPoints="1" noAdjustHandles="1" noChangeArrowheads="1" noChangeShapeType="1" noTextEdit="1"/>
+              </p:cNvSpPr>
+              <p:nvPr/>
+            </p:nvSpPr>
+            <p:spPr>
+              <a:xfrm>
+                <a:off x="3032291" y="6407519"/>
+                <a:ext cx="6124369" cy="369332"/>
+              </a:xfrm>
+              <a:prstGeom prst="rect">
+                <a:avLst/>
+              </a:prstGeom>
+              <a:blipFill>
+                <a:blip r:embed="rId2"/>
+                <a:stretch>
+                  <a:fillRect b="-13115"/>
+                </a:stretch>
+              </a:blipFill>
+            </p:spPr>
+            <p:txBody>
+              <a:bodyPr/>
+              <a:lstStyle/>
+              <a:p>
+                <a:r>
+                  <a:rPr lang="ru-RU">
+                    <a:noFill/>
+                  </a:rPr>
+                  <a:t> </a:t>
+                </a:r>
+              </a:p>
+            </p:txBody>
+          </p:sp>
+        </mc:Fallback>
+      </mc:AlternateContent>
+    </p:spTree>
+    <p:extLst>
+      <p:ext uri="{BB962C8B-B14F-4D97-AF65-F5344CB8AC3E}">
+        <p14:creationId xmlns:p14="http://schemas.microsoft.com/office/powerpoint/2010/main" val="4011927555"/>
+      </p:ext>
+    </p:extLst>
+  </p:cSld>
+  <p:clrMapOvr>
+    <a:masterClrMapping/>
+  </p:clrMapOvr>
+  <mc:AlternateContent xmlns:mc="http://schemas.openxmlformats.org/markup-compatibility/2006" xmlns:p14="http://schemas.microsoft.com/office/powerpoint/2010/main">
+    <mc:Choice Requires="p14">
+      <p:transition spd="med" p14:dur="700">
+        <p:fade/>
+      </p:transition>
+    </mc:Choice>
+    <mc:Fallback xmlns="">
+      <p:transition spd="med">
+        <p:fade/>
+      </p:transition>
+    </mc:Fallback>
+  </mc:AlternateContent>
+</p:sld>
+</file>
+
+<file path=ppt/slides/slide11.xml><?xml version="1.0" encoding="utf-8"?>
 <p:sld xmlns:a="http://schemas.openxmlformats.org/drawingml/2006/main" xmlns:r="http://schemas.openxmlformats.org/officeDocument/2006/relationships" xmlns:p="http://schemas.openxmlformats.org/presentationml/2006/main">
   <p:cSld>
     <p:spTree>
@@ -11228,7 +11690,125 @@
 </p:sld>
 </file>
 
-<file path=ppt/slides/slide11.xml><?xml version="1.0" encoding="utf-8"?>
+<file path=ppt/slides/slide12.xml><?xml version="1.0" encoding="utf-8"?>
+<p:sld xmlns:a="http://schemas.openxmlformats.org/drawingml/2006/main" xmlns:r="http://schemas.openxmlformats.org/officeDocument/2006/relationships" xmlns:p="http://schemas.openxmlformats.org/presentationml/2006/main">
+  <p:cSld>
+    <p:spTree>
+      <p:nvGrpSpPr>
+        <p:cNvPr id="1" name=""/>
+        <p:cNvGrpSpPr/>
+        <p:nvPr/>
+      </p:nvGrpSpPr>
+      <p:grpSpPr>
+        <a:xfrm>
+          <a:off x="0" y="0"/>
+          <a:ext cx="0" cy="0"/>
+          <a:chOff x="0" y="0"/>
+          <a:chExt cx="0" cy="0"/>
+        </a:xfrm>
+      </p:grpSpPr>
+      <p:sp>
+        <p:nvSpPr>
+          <p:cNvPr id="2" name="Заголовок 1"/>
+          <p:cNvSpPr>
+            <a:spLocks noGrp="1"/>
+          </p:cNvSpPr>
+          <p:nvPr>
+            <p:ph type="title"/>
+          </p:nvPr>
+        </p:nvSpPr>
+        <p:spPr/>
+        <p:txBody>
+          <a:bodyPr/>
+          <a:lstStyle/>
+          <a:p>
+            <a:r>
+              <a:rPr lang="ru-RU" dirty="0" smtClean="0"/>
+              <a:t>Заключение</a:t>
+            </a:r>
+            <a:endParaRPr lang="ru-RU" dirty="0"/>
+          </a:p>
+        </p:txBody>
+      </p:sp>
+      <p:sp>
+        <p:nvSpPr>
+          <p:cNvPr id="3" name="Объект 2"/>
+          <p:cNvSpPr>
+            <a:spLocks noGrp="1"/>
+          </p:cNvSpPr>
+          <p:nvPr>
+            <p:ph idx="1"/>
+          </p:nvPr>
+        </p:nvSpPr>
+        <p:spPr/>
+        <p:txBody>
+          <a:bodyPr/>
+          <a:lstStyle/>
+          <a:p>
+            <a:r>
+              <a:rPr lang="ru-RU" dirty="0" smtClean="0"/>
+              <a:t>Была </a:t>
+            </a:r>
+            <a:r>
+              <a:rPr lang="ru-RU" dirty="0"/>
+              <a:t>рассмотрена структура платы за коммунальные услуги, причины выдачи субсидий и компенсаций расходов на оплату коммунальных услуг</a:t>
+            </a:r>
+            <a:r>
+              <a:rPr lang="ru-RU" dirty="0" smtClean="0"/>
+              <a:t>.</a:t>
+            </a:r>
+          </a:p>
+          <a:p>
+            <a:r>
+              <a:rPr lang="ru-RU" dirty="0" smtClean="0"/>
+              <a:t> </a:t>
+            </a:r>
+            <a:r>
+              <a:rPr lang="ru-RU" dirty="0"/>
+              <a:t>Были рассмотрены формулы расчета коммунальных услуг за электро-, газоснабжение при наличии индивидуального прибора учета, а также его отсутствии и при наличии общедомового прибора учета, либо его отсутствии</a:t>
+            </a:r>
+            <a:r>
+              <a:rPr lang="ru-RU" dirty="0" smtClean="0"/>
+              <a:t>.</a:t>
+            </a:r>
+          </a:p>
+          <a:p>
+            <a:r>
+              <a:rPr lang="ru-RU" dirty="0" smtClean="0"/>
+              <a:t>Был сделан вывод о преимуществах использования индивидуальных приборов учета и их желательном развитии в будущем.</a:t>
+            </a:r>
+          </a:p>
+          <a:p>
+            <a:endParaRPr lang="ru-RU" dirty="0"/>
+          </a:p>
+        </p:txBody>
+      </p:sp>
+    </p:spTree>
+    <p:extLst>
+      <p:ext uri="{BB962C8B-B14F-4D97-AF65-F5344CB8AC3E}">
+        <p14:creationId xmlns:p14="http://schemas.microsoft.com/office/powerpoint/2010/main" val="3207823668"/>
+      </p:ext>
+    </p:extLst>
+  </p:cSld>
+  <p:clrMapOvr>
+    <a:masterClrMapping/>
+  </p:clrMapOvr>
+  <mc:AlternateContent xmlns:mc="http://schemas.openxmlformats.org/markup-compatibility/2006" xmlns:p14="http://schemas.microsoft.com/office/powerpoint/2010/main">
+    <mc:Choice Requires="p14">
+      <p:transition spd="med" p14:dur="700">
+        <p:fade/>
+      </p:transition>
+    </mc:Choice>
+    <mc:Fallback xmlns="">
+      <p:transition spd="med">
+        <p:fade/>
+      </p:transition>
+    </mc:Fallback>
+  </mc:AlternateContent>
+</p:sld>
+</file>
+
+<file path=ppt/slides/slide13.xml><?xml version="1.0" encoding="utf-8"?>
 <p:sld xmlns:a="http://schemas.openxmlformats.org/drawingml/2006/main" xmlns:r="http://schemas.openxmlformats.org/officeDocument/2006/relationships" xmlns:p="http://schemas.openxmlformats.org/presentationml/2006/main">
   <p:cSld>
     <p:spTree>
@@ -11353,7 +11933,7 @@
       </p:grpSpPr>
       <p:sp>
         <p:nvSpPr>
-          <p:cNvPr id="13" name="Заголовок 1"/>
+          <p:cNvPr id="2" name="Заголовок 1"/>
           <p:cNvSpPr>
             <a:spLocks noGrp="1"/>
           </p:cNvSpPr>
@@ -11363,13 +11943,12 @@
         </p:nvSpPr>
         <p:spPr/>
         <p:txBody>
-          <a:bodyPr rtlCol="0"/>
+          <a:bodyPr/>
           <a:lstStyle/>
           <a:p>
-            <a:pPr rtl="0"/>
             <a:r>
               <a:rPr lang="ru-RU" dirty="0" smtClean="0"/>
-              <a:t>Введение</a:t>
+              <a:t>Цели работы</a:t>
             </a:r>
             <a:endParaRPr lang="ru-RU" dirty="0"/>
           </a:p>
@@ -11377,7 +11956,7 @@
       </p:sp>
       <p:sp>
         <p:nvSpPr>
-          <p:cNvPr id="14" name="Объект 2"/>
+          <p:cNvPr id="3" name="Объект 2"/>
           <p:cNvSpPr>
             <a:spLocks noGrp="1"/>
           </p:cNvSpPr>
@@ -11385,83 +11964,81 @@
             <p:ph idx="1"/>
           </p:nvPr>
         </p:nvSpPr>
-        <p:spPr>
-          <a:xfrm>
-            <a:off x="600702" y="2426722"/>
-            <a:ext cx="10987548" cy="3986213"/>
-          </a:xfrm>
-        </p:spPr>
+        <p:spPr/>
         <p:txBody>
-          <a:bodyPr rtlCol="0"/>
+          <a:bodyPr/>
           <a:lstStyle/>
           <a:p>
             <a:pPr algn="just"/>
             <a:r>
-              <a:rPr lang="ru-RU" b="1" dirty="0"/>
-              <a:t>Электроснабжением</a:t>
+              <a:rPr lang="ru-RU" dirty="0" smtClean="0"/>
+              <a:t>Рассмотреть </a:t>
             </a:r>
             <a:r>
               <a:rPr lang="ru-RU" dirty="0"/>
-              <a:t> называется </a:t>
-            </a:r>
-            <a:r>
-              <a:rPr lang="ru-RU" b="1" dirty="0"/>
-              <a:t>процесс обеспечения потребителей электрической энергией</a:t>
+              <a:t>основные определения электроснабжения и </a:t>
+            </a:r>
+            <a:r>
+              <a:rPr lang="ru-RU" dirty="0" smtClean="0"/>
+              <a:t>газоснабжения.</a:t>
+            </a:r>
+          </a:p>
+          <a:p>
+            <a:pPr algn="just"/>
+            <a:r>
+              <a:rPr lang="ru-RU" dirty="0" smtClean="0"/>
+              <a:t>Рассмотреть структуру </a:t>
             </a:r>
             <a:r>
               <a:rPr lang="ru-RU" dirty="0"/>
-              <a:t>, которая является наиболее универсальным видом энергии. Ее широкое внедрение во все области жизни человека (быт, промышленность, транспорт и т.д.) объясняется относительной простотой производства, распределения и превращения в другие виды </a:t>
+              <a:t>платы за коммунальные </a:t>
             </a:r>
             <a:r>
               <a:rPr lang="ru-RU" dirty="0" smtClean="0"/>
-              <a:t>энергии.</a:t>
+              <a:t>услуги. </a:t>
             </a:r>
           </a:p>
           <a:p>
             <a:pPr algn="just"/>
             <a:r>
+              <a:rPr lang="ru-RU" dirty="0" smtClean="0"/>
+              <a:t>Выявить причины </a:t>
+            </a:r>
+            <a:r>
               <a:rPr lang="ru-RU" dirty="0"/>
-              <a:t>Система </a:t>
-            </a:r>
-            <a:r>
-              <a:rPr lang="ru-RU" b="1" dirty="0" smtClean="0"/>
-              <a:t>газоснабжения</a:t>
+              <a:t>выдачи субсидий и компенсаций расходов на оплату коммунальных </a:t>
             </a:r>
             <a:r>
               <a:rPr lang="ru-RU" dirty="0" smtClean="0"/>
-              <a:t> </a:t>
-            </a:r>
+              <a:t>услуг.</a:t>
+            </a:r>
+          </a:p>
+          <a:p>
+            <a:pPr algn="just"/>
             <a:r>
               <a:rPr lang="ru-RU" dirty="0"/>
-              <a:t>— организованная </a:t>
-            </a:r>
-            <a:r>
-              <a:rPr lang="ru-RU" b="1" dirty="0"/>
-              <a:t>подача и распределение газового топлива </a:t>
+              <a:t>Р</a:t>
+            </a:r>
+            <a:r>
+              <a:rPr lang="ru-RU" dirty="0" smtClean="0"/>
+              <a:t>ассмотреть </a:t>
             </a:r>
             <a:r>
               <a:rPr lang="ru-RU" dirty="0"/>
-              <a:t>для нужд народного хозяйства. </a:t>
+              <a:t>формулы расчета коммунальных услуг за электро-, </a:t>
             </a:r>
             <a:r>
               <a:rPr lang="ru-RU" dirty="0" smtClean="0"/>
-              <a:t>Газовое топливо </a:t>
-            </a:r>
-            <a:r>
-              <a:rPr lang="ru-RU" dirty="0"/>
-              <a:t>обладает рядом преимуществ по сравнению с твердым и жидким топливом: это полнота сгорания, высокий КПД газового оборудования, отсутствие дыма и копоти, возможность транспортировки на большие расстояния, низкая </a:t>
-            </a:r>
-            <a:r>
-              <a:rPr lang="ru-RU" dirty="0" smtClean="0"/>
-              <a:t>стоимость.</a:t>
-            </a:r>
+              <a:t>газоснабжение.</a:t>
+            </a:r>
+            <a:endParaRPr lang="ru-RU" dirty="0"/>
           </a:p>
         </p:txBody>
       </p:sp>
     </p:spTree>
     <p:extLst>
       <p:ext uri="{BB962C8B-B14F-4D97-AF65-F5344CB8AC3E}">
-        <p14:creationId xmlns:p14="http://schemas.microsoft.com/office/powerpoint/2010/main" val="1440355687"/>
+        <p14:creationId xmlns:p14="http://schemas.microsoft.com/office/powerpoint/2010/main" val="699274479"/>
       </p:ext>
     </p:extLst>
   </p:cSld>
@@ -11480,13 +12057,6 @@
       </p:transition>
     </mc:Fallback>
   </mc:AlternateContent>
-  <p:timing>
-    <p:tnLst>
-      <p:par>
-        <p:cTn id="1" dur="indefinite" restart="never" nodeType="tmRoot"/>
-      </p:par>
-    </p:tnLst>
-  </p:timing>
 </p:sld>
 </file>
 
@@ -11509,7 +12079,7 @@
       </p:grpSpPr>
       <p:sp>
         <p:nvSpPr>
-          <p:cNvPr id="2" name="Заголовок 1"/>
+          <p:cNvPr id="13" name="Заголовок 1"/>
           <p:cNvSpPr>
             <a:spLocks noGrp="1"/>
           </p:cNvSpPr>
@@ -11522,80 +12092,94 @@
           <a:bodyPr rtlCol="0"/>
           <a:lstStyle/>
           <a:p>
-            <a:r>
-              <a:rPr lang="ru-RU" dirty="0"/>
-              <a:t>Обязанность внесения платы за </a:t>
-            </a:r>
+            <a:pPr rtl="0"/>
             <a:r>
               <a:rPr lang="ru-RU" dirty="0" smtClean="0"/>
-              <a:t>коммунальные </a:t>
-            </a:r>
-            <a:r>
-              <a:rPr lang="ru-RU" dirty="0"/>
-              <a:t>услуги</a:t>
-            </a:r>
+              <a:t>Введение</a:t>
+            </a:r>
+            <a:endParaRPr lang="ru-RU" dirty="0"/>
           </a:p>
         </p:txBody>
       </p:sp>
-      <p:graphicFrame>
-        <p:nvGraphicFramePr>
-          <p:cNvPr id="8" name="Объект 2" descr="Трапециевидный список с четырьмя группами, расположенными слева направо. Под каждой группой приведено описание задачи"/>
-          <p:cNvGraphicFramePr>
-            <a:graphicFrameLocks noGrp="1"/>
-          </p:cNvGraphicFramePr>
+      <p:sp>
+        <p:nvSpPr>
+          <p:cNvPr id="14" name="Объект 2"/>
+          <p:cNvSpPr>
+            <a:spLocks noGrp="1"/>
+          </p:cNvSpPr>
           <p:nvPr>
             <p:ph idx="1"/>
-            <p:extLst>
-              <p:ext uri="{D42A27DB-BD31-4B8C-83A1-F6EECF244321}">
-                <p14:modId xmlns:p14="http://schemas.microsoft.com/office/powerpoint/2010/main" val="430343595"/>
-              </p:ext>
-            </p:extLst>
           </p:nvPr>
-        </p:nvGraphicFramePr>
-        <p:xfrm>
-          <a:off x="1002890" y="3215148"/>
-          <a:ext cx="10161639" cy="3448512"/>
-        </p:xfrm>
-        <a:graphic>
-          <a:graphicData uri="http://schemas.openxmlformats.org/drawingml/2006/diagram">
-            <dgm:relIds xmlns:dgm="http://schemas.openxmlformats.org/drawingml/2006/diagram" xmlns:r="http://schemas.openxmlformats.org/officeDocument/2006/relationships" r:dm="rId3" r:lo="rId4" r:qs="rId5" r:cs="rId6"/>
-          </a:graphicData>
-        </a:graphic>
-      </p:graphicFrame>
-      <p:sp>
-        <p:nvSpPr>
-          <p:cNvPr id="3" name="TextBox 2"/>
-          <p:cNvSpPr txBox="1"/>
-          <p:nvPr/>
         </p:nvSpPr>
         <p:spPr>
           <a:xfrm>
-            <a:off x="1002890" y="2125399"/>
-            <a:ext cx="10441858" cy="1015663"/>
+            <a:off x="600702" y="2426722"/>
+            <a:ext cx="10987548" cy="3986213"/>
           </a:xfrm>
-          <a:prstGeom prst="rect">
-            <a:avLst/>
-          </a:prstGeom>
-          <a:noFill/>
         </p:spPr>
         <p:txBody>
-          <a:bodyPr wrap="square" rtlCol="0">
-            <a:spAutoFit/>
-          </a:bodyPr>
+          <a:bodyPr rtlCol="0"/>
           <a:lstStyle/>
           <a:p>
             <a:pPr algn="just"/>
             <a:r>
-              <a:rPr lang="ru-RU" sz="2000" dirty="0"/>
-              <a:t>Согласно части 1 статьи 153 ЖК РФ, граждане и организации обязаны своевременно и полностью вносить плату за жилое помещение и коммунальные услуги. Обязанность внесения платы за жилое помещение и коммунальные услуги </a:t>
-            </a:r>
-            <a:r>
-              <a:rPr lang="ru-RU" sz="2000" dirty="0" smtClean="0"/>
-              <a:t>возникает </a:t>
-            </a:r>
-            <a:r>
-              <a:rPr lang="ru-RU" sz="2000" dirty="0"/>
-              <a:t>у:</a:t>
+              <a:rPr lang="ru-RU" b="1" dirty="0"/>
+              <a:t>Электроснабжением</a:t>
+            </a:r>
+            <a:r>
+              <a:rPr lang="ru-RU" dirty="0"/>
+              <a:t> называется </a:t>
+            </a:r>
+            <a:r>
+              <a:rPr lang="ru-RU" b="1" dirty="0"/>
+              <a:t>процесс обеспечения потребителей электрической энергией</a:t>
+            </a:r>
+            <a:r>
+              <a:rPr lang="ru-RU" dirty="0"/>
+              <a:t>, которая является наиболее универсальным видом энергии. Ее широкое внедрение во все области жизни человека (быт, промышленность, транспорт и т.д.) объясняется относительной простотой производства, распределения и превращения в другие виды </a:t>
+            </a:r>
+            <a:r>
+              <a:rPr lang="ru-RU" dirty="0" smtClean="0"/>
+              <a:t>энергии.</a:t>
+            </a:r>
+          </a:p>
+          <a:p>
+            <a:pPr algn="just"/>
+            <a:r>
+              <a:rPr lang="ru-RU" dirty="0"/>
+              <a:t>Система </a:t>
+            </a:r>
+            <a:r>
+              <a:rPr lang="ru-RU" b="1" dirty="0" smtClean="0"/>
+              <a:t>газоснабжения</a:t>
+            </a:r>
+            <a:r>
+              <a:rPr lang="ru-RU" dirty="0" smtClean="0"/>
+              <a:t> </a:t>
+            </a:r>
+            <a:r>
+              <a:rPr lang="ru-RU" dirty="0"/>
+              <a:t>— организованная </a:t>
+            </a:r>
+            <a:r>
+              <a:rPr lang="ru-RU" b="1" dirty="0"/>
+              <a:t>подача и распределение газового топлива </a:t>
+            </a:r>
+            <a:r>
+              <a:rPr lang="ru-RU" dirty="0"/>
+              <a:t>для нужд народного хозяйства. </a:t>
+            </a:r>
+            <a:r>
+              <a:rPr lang="ru-RU" dirty="0" smtClean="0"/>
+              <a:t>Газовое топливо </a:t>
+            </a:r>
+            <a:r>
+              <a:rPr lang="ru-RU" dirty="0"/>
+              <a:t>обладает рядом преимуществ по сравнению с твердым и жидким топливом: это полнота сгорания, высокий КПД газового оборудования, отсутствие дыма и копоти, возможность транспортировки на большие расстояния, низкая </a:t>
+            </a:r>
+            <a:r>
+              <a:rPr lang="ru-RU" dirty="0" smtClean="0"/>
+              <a:t>стоимость.</a:t>
             </a:r>
           </a:p>
         </p:txBody>
@@ -11603,7 +12187,7 @@
     </p:spTree>
     <p:extLst>
       <p:ext uri="{BB962C8B-B14F-4D97-AF65-F5344CB8AC3E}">
-        <p14:creationId xmlns:p14="http://schemas.microsoft.com/office/powerpoint/2010/main" val="2249699226"/>
+        <p14:creationId xmlns:p14="http://schemas.microsoft.com/office/powerpoint/2010/main" val="1440355687"/>
       </p:ext>
     </p:extLst>
   </p:cSld>
@@ -11661,12 +12245,12 @@
         </p:nvSpPr>
         <p:spPr/>
         <p:txBody>
-          <a:bodyPr/>
+          <a:bodyPr rtlCol="0"/>
           <a:lstStyle/>
           <a:p>
             <a:r>
               <a:rPr lang="ru-RU" dirty="0"/>
-              <a:t>Структура платы за </a:t>
+              <a:t>Обязанность внесения платы за </a:t>
             </a:r>
             <a:r>
               <a:rPr lang="ru-RU" dirty="0" smtClean="0"/>
@@ -11679,110 +12263,73 @@
           </a:p>
         </p:txBody>
       </p:sp>
+      <p:graphicFrame>
+        <p:nvGraphicFramePr>
+          <p:cNvPr id="8" name="Объект 2" descr="Трапециевидный список с четырьмя группами, расположенными слева направо. Под каждой группой приведено описание задачи"/>
+          <p:cNvGraphicFramePr>
+            <a:graphicFrameLocks noGrp="1"/>
+          </p:cNvGraphicFramePr>
+          <p:nvPr>
+            <p:ph idx="1"/>
+            <p:extLst>
+              <p:ext uri="{D42A27DB-BD31-4B8C-83A1-F6EECF244321}">
+                <p14:modId xmlns:p14="http://schemas.microsoft.com/office/powerpoint/2010/main" val="430343595"/>
+              </p:ext>
+            </p:extLst>
+          </p:nvPr>
+        </p:nvGraphicFramePr>
+        <p:xfrm>
+          <a:off x="1002890" y="3215148"/>
+          <a:ext cx="10161639" cy="3448512"/>
+        </p:xfrm>
+        <a:graphic>
+          <a:graphicData uri="http://schemas.openxmlformats.org/drawingml/2006/diagram">
+            <dgm:relIds xmlns:dgm="http://schemas.openxmlformats.org/drawingml/2006/diagram" xmlns:r="http://schemas.openxmlformats.org/officeDocument/2006/relationships" r:dm="rId3" r:lo="rId4" r:qs="rId5" r:cs="rId6"/>
+          </a:graphicData>
+        </a:graphic>
+      </p:graphicFrame>
       <p:sp>
         <p:nvSpPr>
-          <p:cNvPr id="3" name="Объект 2"/>
-          <p:cNvSpPr>
-            <a:spLocks noGrp="1"/>
-          </p:cNvSpPr>
-          <p:nvPr>
-            <p:ph idx="1"/>
-          </p:nvPr>
+          <p:cNvPr id="3" name="TextBox 2"/>
+          <p:cNvSpPr txBox="1"/>
+          <p:nvPr/>
         </p:nvSpPr>
         <p:spPr>
           <a:xfrm>
-            <a:off x="722671" y="2109020"/>
-            <a:ext cx="11017045" cy="4748980"/>
+            <a:off x="1002890" y="2125399"/>
+            <a:ext cx="10441858" cy="1015663"/>
           </a:xfrm>
+          <a:prstGeom prst="rect">
+            <a:avLst/>
+          </a:prstGeom>
+          <a:noFill/>
         </p:spPr>
         <p:txBody>
-          <a:bodyPr>
-            <a:normAutofit/>
+          <a:bodyPr wrap="square" rtlCol="0">
+            <a:spAutoFit/>
           </a:bodyPr>
           <a:lstStyle/>
           <a:p>
             <a:pPr algn="just"/>
             <a:r>
-              <a:rPr lang="ru-RU" sz="1800" dirty="0"/>
-              <a:t>В соответствии с частью 1 статьи 155 ЖК РФ плата за коммунальные услуги вносится ежемесячно до десятого числа месяца, следующего за истекшим месяцем, если иной срок не установлен договором управления многоквартирным домом</a:t>
-            </a:r>
-            <a:r>
-              <a:rPr lang="ru-RU" sz="1800" dirty="0" smtClean="0"/>
-              <a:t>.</a:t>
-            </a:r>
-          </a:p>
-          <a:p>
-            <a:pPr algn="just"/>
-            <a:r>
-              <a:rPr lang="ru-RU" sz="1800" dirty="0" smtClean="0"/>
-              <a:t>Оплата </a:t>
-            </a:r>
-            <a:r>
-              <a:rPr lang="ru-RU" sz="1800" dirty="0"/>
-              <a:t>коммунальных услуг осуществляется гражданами, проживающими в жилых помещениях, относящихся к жилищному фонду независимо от форм собственности, по единым правилам, условиям и тарифам, действующим на территории муниципального образования, в зависимости от степени благоустроенности жилых помещений и жилых </a:t>
-            </a:r>
-            <a:r>
-              <a:rPr lang="ru-RU" sz="1800" dirty="0" smtClean="0"/>
-              <a:t>домов.</a:t>
-            </a:r>
-          </a:p>
-          <a:p>
-            <a:pPr algn="just"/>
-            <a:r>
-              <a:rPr lang="ru-RU" sz="1800" dirty="0"/>
-              <a:t>Порядок регулирования тарифов организаций коммунального комплекса, обеспечивающих электро-</a:t>
-            </a:r>
-            <a:r>
-              <a:rPr lang="ru-RU" sz="1800" dirty="0" smtClean="0"/>
-              <a:t>, газо-, водоснабжение, водоотведение и очистку сточных вод, утилизацию ТБО определен </a:t>
-            </a:r>
-            <a:r>
-              <a:rPr lang="ru-RU" sz="1800" dirty="0"/>
-              <a:t>Федеральным законом от 30 декабря 2004 г. N 210-ФЗ </a:t>
-            </a:r>
-            <a:r>
-              <a:rPr lang="ru-RU" sz="1800" dirty="0" smtClean="0"/>
-              <a:t>«Об </a:t>
-            </a:r>
-            <a:r>
-              <a:rPr lang="ru-RU" sz="1800" dirty="0"/>
-              <a:t>основах регулирования тарифов организаций коммунального </a:t>
-            </a:r>
-            <a:r>
-              <a:rPr lang="ru-RU" sz="1800" dirty="0" smtClean="0"/>
-              <a:t>комплекса».</a:t>
-            </a:r>
-          </a:p>
-          <a:p>
-            <a:pPr algn="just"/>
-            <a:r>
-              <a:rPr lang="ru-RU" sz="1800" dirty="0" smtClean="0"/>
-              <a:t>Установление </a:t>
-            </a:r>
-            <a:r>
-              <a:rPr lang="ru-RU" sz="1800" dirty="0"/>
-              <a:t>цен на коммунальные услуги осуществляется в соответствии с постановлением Правительства России от 17 февраля 2004 г. N 89 </a:t>
-            </a:r>
-            <a:r>
-              <a:rPr lang="ru-RU" sz="1800" dirty="0" smtClean="0"/>
-              <a:t>«Об </a:t>
-            </a:r>
-            <a:r>
-              <a:rPr lang="ru-RU" sz="1800" dirty="0"/>
-              <a:t>утверждении Основ ценообразования в сфере жилищно-коммунального </a:t>
-            </a:r>
-            <a:r>
-              <a:rPr lang="ru-RU" sz="1800" dirty="0" smtClean="0"/>
-              <a:t>хозяйства» и другими правовыми актами.</a:t>
-            </a:r>
-            <a:endParaRPr lang="ru-RU" sz="1800" dirty="0"/>
+              <a:rPr lang="ru-RU" sz="2000" dirty="0"/>
+              <a:t>Согласно части 1 статьи 153 ЖК РФ, граждане и организации обязаны своевременно и полностью вносить плату за жилое помещение и коммунальные услуги. Обязанность внесения платы за жилое помещение и коммунальные услуги </a:t>
+            </a:r>
+            <a:r>
+              <a:rPr lang="ru-RU" sz="2000" dirty="0" smtClean="0"/>
+              <a:t>возникает </a:t>
+            </a:r>
+            <a:r>
+              <a:rPr lang="ru-RU" sz="2000" dirty="0"/>
+              <a:t>у:</a:t>
+            </a:r>
           </a:p>
         </p:txBody>
       </p:sp>
     </p:spTree>
     <p:extLst>
       <p:ext uri="{BB962C8B-B14F-4D97-AF65-F5344CB8AC3E}">
-        <p14:creationId xmlns:p14="http://schemas.microsoft.com/office/powerpoint/2010/main" val="1678289506"/>
+        <p14:creationId xmlns:p14="http://schemas.microsoft.com/office/powerpoint/2010/main" val="2249699226"/>
       </p:ext>
     </p:extLst>
   </p:cSld>
@@ -11845,6 +12392,185 @@
           <a:p>
             <a:r>
               <a:rPr lang="ru-RU" dirty="0"/>
+              <a:t>Структура платы за </a:t>
+            </a:r>
+            <a:r>
+              <a:rPr lang="ru-RU" dirty="0" smtClean="0"/>
+              <a:t>коммунальные </a:t>
+            </a:r>
+            <a:r>
+              <a:rPr lang="ru-RU" dirty="0"/>
+              <a:t>услуги</a:t>
+            </a:r>
+          </a:p>
+        </p:txBody>
+      </p:sp>
+      <p:sp>
+        <p:nvSpPr>
+          <p:cNvPr id="3" name="Объект 2"/>
+          <p:cNvSpPr>
+            <a:spLocks noGrp="1"/>
+          </p:cNvSpPr>
+          <p:nvPr>
+            <p:ph idx="1"/>
+          </p:nvPr>
+        </p:nvSpPr>
+        <p:spPr>
+          <a:xfrm>
+            <a:off x="722671" y="2109020"/>
+            <a:ext cx="11017045" cy="4748980"/>
+          </a:xfrm>
+        </p:spPr>
+        <p:txBody>
+          <a:bodyPr>
+            <a:normAutofit/>
+          </a:bodyPr>
+          <a:lstStyle/>
+          <a:p>
+            <a:pPr algn="just"/>
+            <a:r>
+              <a:rPr lang="ru-RU" sz="1800" dirty="0"/>
+              <a:t>В соответствии с частью 1 статьи 155 ЖК РФ плата за коммунальные услуги вносится ежемесячно до десятого числа месяца, следующего за истекшим месяцем, если иной срок не установлен договором управления многоквартирным домом</a:t>
+            </a:r>
+            <a:r>
+              <a:rPr lang="ru-RU" sz="1800" dirty="0" smtClean="0"/>
+              <a:t>.</a:t>
+            </a:r>
+          </a:p>
+          <a:p>
+            <a:pPr algn="just"/>
+            <a:r>
+              <a:rPr lang="ru-RU" sz="1800" dirty="0" smtClean="0"/>
+              <a:t>Оплата </a:t>
+            </a:r>
+            <a:r>
+              <a:rPr lang="ru-RU" sz="1800" dirty="0"/>
+              <a:t>коммунальных услуг осуществляется гражданами, проживающими в жилых помещениях, относящихся к жилищному фонду независимо от форм собственности, по единым правилам, условиям и тарифам, действующим на территории муниципального образования, в зависимости от степени благоустроенности жилых помещений и жилых </a:t>
+            </a:r>
+            <a:r>
+              <a:rPr lang="ru-RU" sz="1800" dirty="0" smtClean="0"/>
+              <a:t>домов.</a:t>
+            </a:r>
+          </a:p>
+          <a:p>
+            <a:pPr algn="just"/>
+            <a:r>
+              <a:rPr lang="ru-RU" sz="1800" dirty="0"/>
+              <a:t>Порядок регулирования тарифов организаций коммунального комплекса, обеспечивающих электро-</a:t>
+            </a:r>
+            <a:r>
+              <a:rPr lang="ru-RU" sz="1800" dirty="0" smtClean="0"/>
+              <a:t>, газо-, водоснабжение, водоотведение и очистку сточных вод, утилизацию ТБО определен </a:t>
+            </a:r>
+            <a:r>
+              <a:rPr lang="ru-RU" sz="1800" dirty="0"/>
+              <a:t>Федеральным законом от 30 декабря 2004 г. N 210-ФЗ </a:t>
+            </a:r>
+            <a:r>
+              <a:rPr lang="ru-RU" sz="1800" dirty="0" smtClean="0"/>
+              <a:t>«Об </a:t>
+            </a:r>
+            <a:r>
+              <a:rPr lang="ru-RU" sz="1800" dirty="0"/>
+              <a:t>основах регулирования тарифов организаций коммунального </a:t>
+            </a:r>
+            <a:r>
+              <a:rPr lang="ru-RU" sz="1800" dirty="0" smtClean="0"/>
+              <a:t>комплекса».</a:t>
+            </a:r>
+          </a:p>
+          <a:p>
+            <a:pPr algn="just"/>
+            <a:r>
+              <a:rPr lang="ru-RU" sz="1800" dirty="0" smtClean="0"/>
+              <a:t>Установление </a:t>
+            </a:r>
+            <a:r>
+              <a:rPr lang="ru-RU" sz="1800" dirty="0"/>
+              <a:t>цен на коммунальные услуги осуществляется в соответствии с постановлением Правительства России от 17 февраля 2004 г. N 89 </a:t>
+            </a:r>
+            <a:r>
+              <a:rPr lang="ru-RU" sz="1800" dirty="0" smtClean="0"/>
+              <a:t>«Об </a:t>
+            </a:r>
+            <a:r>
+              <a:rPr lang="ru-RU" sz="1800" dirty="0"/>
+              <a:t>утверждении Основ ценообразования в сфере жилищно-коммунального </a:t>
+            </a:r>
+            <a:r>
+              <a:rPr lang="ru-RU" sz="1800" dirty="0" smtClean="0"/>
+              <a:t>хозяйства» и другими правовыми актами.</a:t>
+            </a:r>
+            <a:endParaRPr lang="ru-RU" sz="1800" dirty="0"/>
+          </a:p>
+        </p:txBody>
+      </p:sp>
+    </p:spTree>
+    <p:extLst>
+      <p:ext uri="{BB962C8B-B14F-4D97-AF65-F5344CB8AC3E}">
+        <p14:creationId xmlns:p14="http://schemas.microsoft.com/office/powerpoint/2010/main" val="1678289506"/>
+      </p:ext>
+    </p:extLst>
+  </p:cSld>
+  <p:clrMapOvr>
+    <a:masterClrMapping/>
+  </p:clrMapOvr>
+  <mc:AlternateContent xmlns:mc="http://schemas.openxmlformats.org/markup-compatibility/2006" xmlns:p14="http://schemas.microsoft.com/office/powerpoint/2010/main">
+    <mc:Choice Requires="p14">
+      <p:transition spd="med" p14:dur="700">
+        <p:fade/>
+      </p:transition>
+    </mc:Choice>
+    <mc:Fallback xmlns="">
+      <p:transition spd="med">
+        <p:fade/>
+      </p:transition>
+    </mc:Fallback>
+  </mc:AlternateContent>
+  <p:timing>
+    <p:tnLst>
+      <p:par>
+        <p:cTn id="1" dur="indefinite" restart="never" nodeType="tmRoot"/>
+      </p:par>
+    </p:tnLst>
+  </p:timing>
+</p:sld>
+</file>
+
+<file path=ppt/slides/slide6.xml><?xml version="1.0" encoding="utf-8"?>
+<p:sld xmlns:a="http://schemas.openxmlformats.org/drawingml/2006/main" xmlns:r="http://schemas.openxmlformats.org/officeDocument/2006/relationships" xmlns:p="http://schemas.openxmlformats.org/presentationml/2006/main">
+  <p:cSld>
+    <p:spTree>
+      <p:nvGrpSpPr>
+        <p:cNvPr id="1" name=""/>
+        <p:cNvGrpSpPr/>
+        <p:nvPr/>
+      </p:nvGrpSpPr>
+      <p:grpSpPr>
+        <a:xfrm>
+          <a:off x="0" y="0"/>
+          <a:ext cx="0" cy="0"/>
+          <a:chOff x="0" y="0"/>
+          <a:chExt cx="0" cy="0"/>
+        </a:xfrm>
+      </p:grpSpPr>
+      <p:sp>
+        <p:nvSpPr>
+          <p:cNvPr id="2" name="Заголовок 1"/>
+          <p:cNvSpPr>
+            <a:spLocks noGrp="1"/>
+          </p:cNvSpPr>
+          <p:nvPr>
+            <p:ph type="title"/>
+          </p:nvPr>
+        </p:nvSpPr>
+        <p:spPr/>
+        <p:txBody>
+          <a:bodyPr/>
+          <a:lstStyle/>
+          <a:p>
+            <a:r>
+              <a:rPr lang="ru-RU" dirty="0"/>
               <a:t>Предоставление субсидий и компенсаций расходов на оплату </a:t>
             </a:r>
             <a:r>
@@ -11993,7 +12719,7 @@
 </p:sld>
 </file>
 
-<file path=ppt/slides/slide6.xml><?xml version="1.0" encoding="utf-8"?>
+<file path=ppt/slides/slide7.xml><?xml version="1.0" encoding="utf-8"?>
 <p:sld xmlns:a="http://schemas.openxmlformats.org/drawingml/2006/main" xmlns:r="http://schemas.openxmlformats.org/officeDocument/2006/relationships" xmlns:p="http://schemas.openxmlformats.org/presentationml/2006/main">
   <p:cSld>
     <p:spTree>
@@ -12140,7 +12866,7 @@
 </p:sld>
 </file>
 
-<file path=ppt/slides/slide7.xml><?xml version="1.0" encoding="utf-8"?>
+<file path=ppt/slides/slide8.xml><?xml version="1.0" encoding="utf-8"?>
 <p:sld xmlns:a="http://schemas.openxmlformats.org/drawingml/2006/main" xmlns:r="http://schemas.openxmlformats.org/officeDocument/2006/relationships" xmlns:p="http://schemas.openxmlformats.org/presentationml/2006/main">
   <p:cSld>
     <p:spTree>
@@ -12846,7 +13572,7 @@
 </p:sld>
 </file>
 
-<file path=ppt/slides/slide8.xml><?xml version="1.0" encoding="utf-8"?>
+<file path=ppt/slides/slide9.xml><?xml version="1.0" encoding="utf-8"?>
 <p:sld xmlns:a="http://schemas.openxmlformats.org/drawingml/2006/main" xmlns:r="http://schemas.openxmlformats.org/officeDocument/2006/relationships" xmlns:p="http://schemas.openxmlformats.org/presentationml/2006/main">
   <p:cSld>
     <p:spTree>
@@ -14089,466 +14815,6 @@
       </p:par>
     </p:tnLst>
   </p:timing>
-</p:sld>
-</file>
-
-<file path=ppt/slides/slide9.xml><?xml version="1.0" encoding="utf-8"?>
-<p:sld xmlns:a="http://schemas.openxmlformats.org/drawingml/2006/main" xmlns:r="http://schemas.openxmlformats.org/officeDocument/2006/relationships" xmlns:p="http://schemas.openxmlformats.org/presentationml/2006/main" show="0">
-  <p:cSld>
-    <p:spTree>
-      <p:nvGrpSpPr>
-        <p:cNvPr id="1" name=""/>
-        <p:cNvGrpSpPr/>
-        <p:nvPr/>
-      </p:nvGrpSpPr>
-      <p:grpSpPr>
-        <a:xfrm>
-          <a:off x="0" y="0"/>
-          <a:ext cx="0" cy="0"/>
-          <a:chOff x="0" y="0"/>
-          <a:chExt cx="0" cy="0"/>
-        </a:xfrm>
-      </p:grpSpPr>
-      <p:sp>
-        <p:nvSpPr>
-          <p:cNvPr id="2" name="Заголовок 1"/>
-          <p:cNvSpPr>
-            <a:spLocks noGrp="1"/>
-          </p:cNvSpPr>
-          <p:nvPr>
-            <p:ph type="title"/>
-          </p:nvPr>
-        </p:nvSpPr>
-        <p:spPr/>
-        <p:txBody>
-          <a:bodyPr/>
-          <a:lstStyle/>
-          <a:p>
-            <a:r>
-              <a:rPr lang="ru-RU" dirty="0"/>
-              <a:t>Расчет стоимости коммунальных услуг</a:t>
-            </a:r>
-          </a:p>
-        </p:txBody>
-      </p:sp>
-      <p:sp>
-        <p:nvSpPr>
-          <p:cNvPr id="3" name="Объект 2"/>
-          <p:cNvSpPr>
-            <a:spLocks noGrp="1"/>
-          </p:cNvSpPr>
-          <p:nvPr>
-            <p:ph idx="1"/>
-          </p:nvPr>
-        </p:nvSpPr>
-        <p:spPr>
-          <a:xfrm>
-            <a:off x="991534" y="1680972"/>
-            <a:ext cx="10205884" cy="4911213"/>
-          </a:xfrm>
-        </p:spPr>
-        <p:txBody>
-          <a:bodyPr>
-            <a:normAutofit fontScale="92500" lnSpcReduction="20000"/>
-          </a:bodyPr>
-          <a:lstStyle/>
-          <a:p>
-            <a:pPr marL="0" indent="0">
-              <a:lnSpc>
-                <a:spcPct val="170000"/>
-              </a:lnSpc>
-              <a:buNone/>
-            </a:pPr>
-            <a:r>
-              <a:rPr lang="ru-RU" sz="2600" dirty="0"/>
-              <a:t>Пример расчета платы за газоснабжение в жилом помещении</a:t>
-            </a:r>
-            <a:r>
-              <a:rPr lang="ru-RU" sz="2600" dirty="0" smtClean="0"/>
-              <a:t>:</a:t>
-            </a:r>
-            <a:endParaRPr lang="ru-RU" sz="2600" dirty="0"/>
-          </a:p>
-          <a:p>
-            <a:pPr>
-              <a:lnSpc>
-                <a:spcPct val="110000"/>
-              </a:lnSpc>
-              <a:spcBef>
-                <a:spcPts val="0"/>
-              </a:spcBef>
-            </a:pPr>
-            <a:r>
-              <a:rPr lang="ru-RU" dirty="0"/>
-              <a:t>В жилом помещении отсутствует индивидуальный прибор учета на газоснабжение</a:t>
-            </a:r>
-            <a:r>
-              <a:rPr lang="ru-RU" dirty="0" smtClean="0"/>
-              <a:t>,</a:t>
-            </a:r>
-          </a:p>
-          <a:p>
-            <a:pPr>
-              <a:lnSpc>
-                <a:spcPct val="110000"/>
-              </a:lnSpc>
-              <a:spcBef>
-                <a:spcPts val="0"/>
-              </a:spcBef>
-            </a:pPr>
-            <a:r>
-              <a:rPr lang="ru-RU" dirty="0" smtClean="0"/>
-              <a:t>на </a:t>
-            </a:r>
-            <a:r>
-              <a:rPr lang="ru-RU" dirty="0"/>
-              <a:t>многоквартирном доме отсутствует система централизованного горячего водоснабжения, </a:t>
-            </a:r>
-            <a:endParaRPr lang="ru-RU" dirty="0" smtClean="0"/>
-          </a:p>
-          <a:p>
-            <a:pPr>
-              <a:lnSpc>
-                <a:spcPct val="110000"/>
-              </a:lnSpc>
-              <a:spcBef>
-                <a:spcPts val="0"/>
-              </a:spcBef>
-            </a:pPr>
-            <a:r>
-              <a:rPr lang="ru-RU" dirty="0" smtClean="0"/>
-              <a:t>квартира </a:t>
-            </a:r>
-            <a:r>
-              <a:rPr lang="ru-RU" dirty="0"/>
-              <a:t>оборудована газовой плитой, </a:t>
-            </a:r>
-            <a:endParaRPr lang="ru-RU" dirty="0" smtClean="0"/>
-          </a:p>
-          <a:p>
-            <a:pPr>
-              <a:lnSpc>
-                <a:spcPct val="110000"/>
-              </a:lnSpc>
-              <a:spcBef>
-                <a:spcPts val="0"/>
-              </a:spcBef>
-            </a:pPr>
-            <a:r>
-              <a:rPr lang="ru-RU" dirty="0" smtClean="0"/>
-              <a:t>не </a:t>
-            </a:r>
-            <a:r>
-              <a:rPr lang="ru-RU" dirty="0"/>
-              <a:t>оборудована газовым водонагревателем, </a:t>
-            </a:r>
-            <a:endParaRPr lang="ru-RU" dirty="0" smtClean="0"/>
-          </a:p>
-          <a:p>
-            <a:pPr>
-              <a:lnSpc>
-                <a:spcPct val="110000"/>
-              </a:lnSpc>
-              <a:spcBef>
-                <a:spcPts val="0"/>
-              </a:spcBef>
-            </a:pPr>
-            <a:r>
-              <a:rPr lang="ru-RU" dirty="0" smtClean="0"/>
-              <a:t>в </a:t>
-            </a:r>
-            <a:r>
-              <a:rPr lang="ru-RU" dirty="0"/>
-              <a:t>квартире проживает 4 человека, </a:t>
-            </a:r>
-            <a:endParaRPr lang="ru-RU" dirty="0" smtClean="0"/>
-          </a:p>
-          <a:p>
-            <a:pPr>
-              <a:lnSpc>
-                <a:spcPct val="110000"/>
-              </a:lnSpc>
-              <a:spcBef>
-                <a:spcPts val="0"/>
-              </a:spcBef>
-            </a:pPr>
-            <a:r>
-              <a:rPr lang="ru-RU" dirty="0" smtClean="0"/>
-              <a:t>общая </a:t>
-            </a:r>
-            <a:r>
-              <a:rPr lang="ru-RU" dirty="0"/>
-              <a:t>площадь помещения составляет 45 м2, </a:t>
-            </a:r>
-            <a:endParaRPr lang="ru-RU" dirty="0" smtClean="0"/>
-          </a:p>
-          <a:p>
-            <a:pPr>
-              <a:lnSpc>
-                <a:spcPct val="110000"/>
-              </a:lnSpc>
-              <a:spcBef>
-                <a:spcPts val="0"/>
-              </a:spcBef>
-            </a:pPr>
-            <a:r>
-              <a:rPr lang="ru-RU" dirty="0" smtClean="0"/>
-              <a:t>норматив </a:t>
-            </a:r>
-            <a:r>
-              <a:rPr lang="ru-RU" dirty="0"/>
-              <a:t>потребления коммунальной услуги по газоснабжению на отопление жилых помещений составляет 8 м3  на 1 м2 общей площади, </a:t>
-            </a:r>
-            <a:endParaRPr lang="ru-RU" dirty="0" smtClean="0"/>
-          </a:p>
-          <a:p>
-            <a:pPr>
-              <a:lnSpc>
-                <a:spcPct val="110000"/>
-              </a:lnSpc>
-              <a:spcBef>
-                <a:spcPts val="0"/>
-              </a:spcBef>
-            </a:pPr>
-            <a:r>
-              <a:rPr lang="ru-RU" dirty="0" smtClean="0"/>
-              <a:t>норматив </a:t>
-            </a:r>
-            <a:r>
-              <a:rPr lang="ru-RU" dirty="0"/>
-              <a:t>потребления коммунальной услуги по газоснабжению на приготовление пищи 12,58 м3 на 1 человека, </a:t>
-            </a:r>
-            <a:endParaRPr lang="ru-RU" dirty="0" smtClean="0"/>
-          </a:p>
-          <a:p>
-            <a:pPr>
-              <a:lnSpc>
-                <a:spcPct val="110000"/>
-              </a:lnSpc>
-              <a:spcBef>
-                <a:spcPts val="0"/>
-              </a:spcBef>
-            </a:pPr>
-            <a:r>
-              <a:rPr lang="ru-RU" dirty="0" smtClean="0"/>
-              <a:t>норматив </a:t>
-            </a:r>
-            <a:r>
-              <a:rPr lang="ru-RU" dirty="0"/>
-              <a:t>потребления коммунальной услуги по газоснабжению на подогрев воды при отсутствии централизованного горячего водоснабжения 6,34 м3 на 1 человека, </a:t>
-            </a:r>
-            <a:endParaRPr lang="ru-RU" dirty="0" smtClean="0"/>
-          </a:p>
-          <a:p>
-            <a:pPr>
-              <a:lnSpc>
-                <a:spcPct val="110000"/>
-              </a:lnSpc>
-              <a:spcBef>
-                <a:spcPts val="0"/>
-              </a:spcBef>
-            </a:pPr>
-            <a:r>
-              <a:rPr lang="ru-RU" dirty="0" smtClean="0"/>
-              <a:t>тариф </a:t>
-            </a:r>
-            <a:r>
-              <a:rPr lang="ru-RU" dirty="0"/>
-              <a:t>на газоснабжение для текущего региона утвержден в размере 4300 рублей за 1000 м3 (4,2 рубля за 1 м3).</a:t>
-            </a:r>
-          </a:p>
-          <a:p>
-            <a:endParaRPr lang="ru-RU" dirty="0"/>
-          </a:p>
-        </p:txBody>
-      </p:sp>
-      <mc:AlternateContent xmlns:mc="http://schemas.openxmlformats.org/markup-compatibility/2006" xmlns:a14="http://schemas.microsoft.com/office/drawing/2010/main">
-        <mc:Choice Requires="a14">
-          <p:sp>
-            <p:nvSpPr>
-              <p:cNvPr id="4" name="Прямоугольник 3"/>
-              <p:cNvSpPr/>
-              <p:nvPr/>
-            </p:nvSpPr>
-            <p:spPr>
-              <a:xfrm>
-                <a:off x="3032291" y="6407519"/>
-                <a:ext cx="6124369" cy="369332"/>
-              </a:xfrm>
-              <a:prstGeom prst="rect">
-                <a:avLst/>
-              </a:prstGeom>
-            </p:spPr>
-            <p:txBody>
-              <a:bodyPr wrap="none">
-                <a:spAutoFit/>
-              </a:bodyPr>
-              <a:lstStyle/>
-              <a:p>
-                <a:pPr/>
-                <a14:m>
-                  <m:oMathPara xmlns:m="http://schemas.openxmlformats.org/officeDocument/2006/math">
-                    <m:oMathParaPr>
-                      <m:jc m:val="centerGroup"/>
-                    </m:oMathParaPr>
-                    <m:oMath xmlns:m="http://schemas.openxmlformats.org/officeDocument/2006/math">
-                      <m:d>
-                        <m:dPr>
-                          <m:begChr m:val="["/>
-                          <m:endChr m:val="]"/>
-                          <m:ctrlPr>
-                            <a:rPr lang="ru-RU" i="1">
-                              <a:latin typeface="Cambria Math" panose="02040503050406030204" pitchFamily="18" charset="0"/>
-                            </a:rPr>
-                          </m:ctrlPr>
-                        </m:dPr>
-                        <m:e>
-                          <m:d>
-                            <m:dPr>
-                              <m:ctrlPr>
-                                <a:rPr lang="ru-RU" i="1">
-                                  <a:latin typeface="Cambria Math" panose="02040503050406030204" pitchFamily="18" charset="0"/>
-                                </a:rPr>
-                              </m:ctrlPr>
-                            </m:dPr>
-                            <m:e>
-                              <m:r>
-                                <a:rPr lang="ru-RU">
-                                  <a:latin typeface="Cambria Math" panose="02040503050406030204" pitchFamily="18" charset="0"/>
-                                </a:rPr>
-                                <m:t>45</m:t>
-                              </m:r>
-                              <m:r>
-                                <a:rPr lang="ru-RU" i="0">
-                                  <a:latin typeface="Cambria Math" panose="02040503050406030204" pitchFamily="18" charset="0"/>
-                                </a:rPr>
-                                <m:t>×8</m:t>
-                              </m:r>
-                            </m:e>
-                          </m:d>
-                          <m:r>
-                            <a:rPr lang="ru-RU" i="0">
-                              <a:latin typeface="Cambria Math" panose="02040503050406030204" pitchFamily="18" charset="0"/>
-                            </a:rPr>
-                            <m:t>+</m:t>
-                          </m:r>
-                          <m:d>
-                            <m:dPr>
-                              <m:ctrlPr>
-                                <a:rPr lang="ru-RU" i="1">
-                                  <a:latin typeface="Cambria Math" panose="02040503050406030204" pitchFamily="18" charset="0"/>
-                                </a:rPr>
-                              </m:ctrlPr>
-                            </m:dPr>
-                            <m:e>
-                              <m:r>
-                                <a:rPr lang="ru-RU" i="0">
-                                  <a:latin typeface="Cambria Math" panose="02040503050406030204" pitchFamily="18" charset="0"/>
-                                </a:rPr>
-                                <m:t>4×12,58</m:t>
-                              </m:r>
-                            </m:e>
-                          </m:d>
-                          <m:r>
-                            <a:rPr lang="ru-RU" i="0">
-                              <a:latin typeface="Cambria Math" panose="02040503050406030204" pitchFamily="18" charset="0"/>
-                            </a:rPr>
-                            <m:t>+</m:t>
-                          </m:r>
-                          <m:d>
-                            <m:dPr>
-                              <m:ctrlPr>
-                                <a:rPr lang="ru-RU" i="1">
-                                  <a:latin typeface="Cambria Math" panose="02040503050406030204" pitchFamily="18" charset="0"/>
-                                </a:rPr>
-                              </m:ctrlPr>
-                            </m:dPr>
-                            <m:e>
-                              <m:r>
-                                <a:rPr lang="ru-RU" i="0">
-                                  <a:latin typeface="Cambria Math" panose="02040503050406030204" pitchFamily="18" charset="0"/>
-                                </a:rPr>
-                                <m:t>4×6,34</m:t>
-                              </m:r>
-                            </m:e>
-                          </m:d>
-                        </m:e>
-                      </m:d>
-                      <m:r>
-                        <a:rPr lang="ru-RU" i="0">
-                          <a:latin typeface="Cambria Math" panose="02040503050406030204" pitchFamily="18" charset="0"/>
-                        </a:rPr>
-                        <m:t>×4,3=1873,42 руб.</m:t>
-                      </m:r>
-                    </m:oMath>
-                  </m:oMathPara>
-                </a14:m>
-                <a:endParaRPr lang="ru-RU" dirty="0"/>
-              </a:p>
-            </p:txBody>
-          </p:sp>
-        </mc:Choice>
-        <mc:Fallback xmlns="">
-          <p:sp>
-            <p:nvSpPr>
-              <p:cNvPr id="4" name="Прямоугольник 3"/>
-              <p:cNvSpPr>
-                <a:spLocks noRot="1" noChangeAspect="1" noMove="1" noResize="1" noEditPoints="1" noAdjustHandles="1" noChangeArrowheads="1" noChangeShapeType="1" noTextEdit="1"/>
-              </p:cNvSpPr>
-              <p:nvPr/>
-            </p:nvSpPr>
-            <p:spPr>
-              <a:xfrm>
-                <a:off x="3032291" y="6407519"/>
-                <a:ext cx="6124369" cy="369332"/>
-              </a:xfrm>
-              <a:prstGeom prst="rect">
-                <a:avLst/>
-              </a:prstGeom>
-              <a:blipFill>
-                <a:blip r:embed="rId2"/>
-                <a:stretch>
-                  <a:fillRect b="-13115"/>
-                </a:stretch>
-              </a:blipFill>
-            </p:spPr>
-            <p:txBody>
-              <a:bodyPr/>
-              <a:lstStyle/>
-              <a:p>
-                <a:r>
-                  <a:rPr lang="ru-RU">
-                    <a:noFill/>
-                  </a:rPr>
-                  <a:t> </a:t>
-                </a:r>
-              </a:p>
-            </p:txBody>
-          </p:sp>
-        </mc:Fallback>
-      </mc:AlternateContent>
-    </p:spTree>
-    <p:extLst>
-      <p:ext uri="{BB962C8B-B14F-4D97-AF65-F5344CB8AC3E}">
-        <p14:creationId xmlns:p14="http://schemas.microsoft.com/office/powerpoint/2010/main" val="4011927555"/>
-      </p:ext>
-    </p:extLst>
-  </p:cSld>
-  <p:clrMapOvr>
-    <a:masterClrMapping/>
-  </p:clrMapOvr>
-  <mc:AlternateContent xmlns:mc="http://schemas.openxmlformats.org/markup-compatibility/2006" xmlns:p14="http://schemas.microsoft.com/office/powerpoint/2010/main">
-    <mc:Choice Requires="p14">
-      <p:transition spd="med" p14:dur="700">
-        <p:fade/>
-      </p:transition>
-    </mc:Choice>
-    <mc:Fallback xmlns="">
-      <p:transition spd="med">
-        <p:fade/>
-      </p:transition>
-    </mc:Fallback>
-  </mc:AlternateContent>
 </p:sld>
 </file>
 
